--- a/Project file/项目PPT/开源作业.pptx
+++ b/Project file/项目PPT/开源作业.pptx
@@ -7,17 +7,18 @@
   </p:sldMasterIdLst>
   <p:sldIdLst>
     <p:sldId id="257" r:id="rId3"/>
-    <p:sldId id="264" r:id="rId4"/>
-    <p:sldId id="265" r:id="rId5"/>
-    <p:sldId id="258" r:id="rId6"/>
-    <p:sldId id="259" r:id="rId7"/>
-    <p:sldId id="260" r:id="rId8"/>
-    <p:sldId id="261" r:id="rId9"/>
+    <p:sldId id="266" r:id="rId4"/>
+    <p:sldId id="264" r:id="rId5"/>
+    <p:sldId id="265" r:id="rId6"/>
+    <p:sldId id="258" r:id="rId7"/>
+    <p:sldId id="259" r:id="rId8"/>
+    <p:sldId id="260" r:id="rId9"/>
+    <p:sldId id="261" r:id="rId10"/>
   </p:sldIdLst>
   <p:sldSz cx="9144000" cy="6858000" type="screen4x3"/>
   <p:notesSz cx="6858000" cy="9144000"/>
   <p:custDataLst>
-    <p:tags r:id="rId10"/>
+    <p:tags r:id="rId11"/>
   </p:custDataLst>
   <p:defaultTextStyle>
     <a:defPPr>
@@ -888,7 +889,7 @@
           <a:p>
             <a:fld id="{760FBDFE-C587-4B4C-A407-44438C67B59E}" type="datetimeFigureOut">
               <a:rPr lang="zh-CN" altLang="en-US" smtClean="0"/>
-              <a:t>2022/6/30</a:t>
+              <a:t>2022/7/1</a:t>
             </a:fld>
             <a:endParaRPr lang="zh-CN" altLang="en-US"/>
           </a:p>
@@ -1417,7 +1418,7 @@
           <a:p>
             <a:fld id="{760FBDFE-C587-4B4C-A407-44438C67B59E}" type="datetimeFigureOut">
               <a:rPr lang="zh-CN" altLang="en-US" smtClean="0"/>
-              <a:t>2022/6/30</a:t>
+              <a:t>2022/7/1</a:t>
             </a:fld>
             <a:endParaRPr lang="zh-CN" altLang="en-US"/>
           </a:p>
@@ -1719,7 +1720,7 @@
           <a:p>
             <a:fld id="{760FBDFE-C587-4B4C-A407-44438C67B59E}" type="datetimeFigureOut">
               <a:rPr lang="zh-CN" altLang="en-US" smtClean="0"/>
-              <a:t>2022/6/30</a:t>
+              <a:t>2022/7/1</a:t>
             </a:fld>
             <a:endParaRPr lang="zh-CN" altLang="en-US"/>
           </a:p>
@@ -2258,7 +2259,7 @@
           <a:p>
             <a:fld id="{760FBDFE-C587-4B4C-A407-44438C67B59E}" type="datetimeFigureOut">
               <a:rPr lang="zh-CN" altLang="en-US" smtClean="0"/>
-              <a:t>2022/6/30</a:t>
+              <a:t>2022/7/1</a:t>
             </a:fld>
             <a:endParaRPr lang="zh-CN" altLang="en-US"/>
           </a:p>
@@ -3060,7 +3061,7 @@
           <a:p>
             <a:fld id="{760FBDFE-C587-4B4C-A407-44438C67B59E}" type="datetimeFigureOut">
               <a:rPr lang="zh-CN" altLang="en-US" smtClean="0"/>
-              <a:t>2022/6/30</a:t>
+              <a:t>2022/7/1</a:t>
             </a:fld>
             <a:endParaRPr lang="zh-CN" altLang="en-US"/>
           </a:p>
@@ -3241,7 +3242,7 @@
           <a:p>
             <a:fld id="{760FBDFE-C587-4B4C-A407-44438C67B59E}" type="datetimeFigureOut">
               <a:rPr lang="zh-CN" altLang="en-US" smtClean="0"/>
-              <a:t>2022/6/30</a:t>
+              <a:t>2022/7/1</a:t>
             </a:fld>
             <a:endParaRPr lang="zh-CN" altLang="en-US"/>
           </a:p>
@@ -3363,7 +3364,7 @@
           <a:p>
             <a:fld id="{760FBDFE-C587-4B4C-A407-44438C67B59E}" type="datetimeFigureOut">
               <a:rPr lang="zh-CN" altLang="en-US" smtClean="0"/>
-              <a:t>2022/6/30</a:t>
+              <a:t>2022/7/1</a:t>
             </a:fld>
             <a:endParaRPr lang="zh-CN" altLang="en-US"/>
           </a:p>
@@ -3791,7 +3792,7 @@
           <a:p>
             <a:fld id="{9EFD9D74-47D9-4702-A33C-335B63B48DBF}" type="datetimeFigureOut">
               <a:rPr lang="zh-CN" altLang="en-US" smtClean="0"/>
-              <a:t>2022/6/30</a:t>
+              <a:t>2022/7/1</a:t>
             </a:fld>
             <a:endParaRPr lang="zh-CN" altLang="en-US" dirty="0"/>
           </a:p>
@@ -4326,7 +4327,7 @@
           <a:p>
             <a:fld id="{760FBDFE-C587-4B4C-A407-44438C67B59E}" type="datetimeFigureOut">
               <a:rPr lang="zh-CN" altLang="en-US" smtClean="0"/>
-              <a:t>2022/6/30</a:t>
+              <a:t>2022/7/1</a:t>
             </a:fld>
             <a:endParaRPr lang="zh-CN" altLang="en-US"/>
           </a:p>
@@ -4511,7 +4512,7 @@
           <a:p>
             <a:fld id="{760FBDFE-C587-4B4C-A407-44438C67B59E}" type="datetimeFigureOut">
               <a:rPr lang="zh-CN" altLang="en-US" smtClean="0"/>
-              <a:t>2022/6/30</a:t>
+              <a:t>2022/7/1</a:t>
             </a:fld>
             <a:endParaRPr lang="zh-CN" altLang="en-US"/>
           </a:p>
@@ -4812,7 +4813,7 @@
           <a:p>
             <a:fld id="{760FBDFE-C587-4B4C-A407-44438C67B59E}" type="datetimeFigureOut">
               <a:rPr lang="zh-CN" altLang="en-US" smtClean="0"/>
-              <a:t>2022/6/30</a:t>
+              <a:t>2022/7/1</a:t>
             </a:fld>
             <a:endParaRPr lang="zh-CN" altLang="en-US"/>
           </a:p>
@@ -5021,7 +5022,7 @@
           <a:p>
             <a:fld id="{760FBDFE-C587-4B4C-A407-44438C67B59E}" type="datetimeFigureOut">
               <a:rPr lang="zh-CN" altLang="en-US" smtClean="0"/>
-              <a:t>2022/6/30</a:t>
+              <a:t>2022/7/1</a:t>
             </a:fld>
             <a:endParaRPr lang="zh-CN" altLang="en-US"/>
           </a:p>
@@ -5387,7 +5388,7 @@
           <a:p>
             <a:fld id="{760FBDFE-C587-4B4C-A407-44438C67B59E}" type="datetimeFigureOut">
               <a:rPr lang="zh-CN" altLang="en-US" smtClean="0"/>
-              <a:t>2022/6/30</a:t>
+              <a:t>2022/7/1</a:t>
             </a:fld>
             <a:endParaRPr lang="zh-CN" altLang="en-US"/>
           </a:p>
@@ -5611,7 +5612,7 @@
           <a:p>
             <a:fld id="{760FBDFE-C587-4B4C-A407-44438C67B59E}" type="datetimeFigureOut">
               <a:rPr lang="zh-CN" altLang="en-US" smtClean="0"/>
-              <a:t>2022/6/30</a:t>
+              <a:t>2022/7/1</a:t>
             </a:fld>
             <a:endParaRPr lang="zh-CN" altLang="en-US"/>
           </a:p>
@@ -6192,7 +6193,7 @@
           <a:p>
             <a:fld id="{760FBDFE-C587-4B4C-A407-44438C67B59E}" type="datetimeFigureOut">
               <a:rPr lang="zh-CN" altLang="en-US" smtClean="0"/>
-              <a:t>2022/6/30</a:t>
+              <a:t>2022/7/1</a:t>
             </a:fld>
             <a:endParaRPr lang="zh-CN" altLang="en-US"/>
           </a:p>
@@ -6619,7 +6620,7 @@
           <a:p>
             <a:fld id="{760FBDFE-C587-4B4C-A407-44438C67B59E}" type="datetimeFigureOut">
               <a:rPr lang="zh-CN" altLang="en-US" smtClean="0"/>
-              <a:t>2022/6/30</a:t>
+              <a:t>2022/7/1</a:t>
             </a:fld>
             <a:endParaRPr lang="zh-CN" altLang="en-US"/>
           </a:p>
@@ -7047,7 +7048,7 @@
           <a:p>
             <a:fld id="{760FBDFE-C587-4B4C-A407-44438C67B59E}" type="datetimeFigureOut">
               <a:rPr lang="zh-CN" altLang="en-US" smtClean="0"/>
-              <a:t>2022/6/30</a:t>
+              <a:t>2022/7/1</a:t>
             </a:fld>
             <a:endParaRPr lang="zh-CN" altLang="en-US"/>
           </a:p>
@@ -7677,7 +7678,7 @@
           <a:p>
             <a:fld id="{760FBDFE-C587-4B4C-A407-44438C67B59E}" type="datetimeFigureOut">
               <a:rPr lang="zh-CN" altLang="en-US" smtClean="0"/>
-              <a:t>2022/6/30</a:t>
+              <a:t>2022/7/1</a:t>
             </a:fld>
             <a:endParaRPr lang="zh-CN" altLang="en-US"/>
           </a:p>
@@ -10206,7 +10207,7 @@
           <a:p>
             <a:fld id="{760FBDFE-C587-4B4C-A407-44438C67B59E}" type="datetimeFigureOut">
               <a:rPr lang="zh-CN" altLang="en-US" smtClean="0"/>
-              <a:t>2022/6/30</a:t>
+              <a:t>2022/7/1</a:t>
             </a:fld>
             <a:endParaRPr lang="zh-CN" altLang="en-US"/>
           </a:p>
@@ -10901,7 +10902,13 @@
       </p:grpSpPr>
       <p:sp>
         <p:nvSpPr>
-          <p:cNvPr id="2" name="标题 1"/>
+          <p:cNvPr id="2" name="标题 1">
+            <a:extLst>
+              <a:ext uri="{FF2B5EF4-FFF2-40B4-BE49-F238E27FC236}">
+                <a16:creationId xmlns:a16="http://schemas.microsoft.com/office/drawing/2014/main" id="{3BBD81D3-4B61-6743-CB22-06DC8DBF642E}"/>
+              </a:ext>
+            </a:extLst>
+          </p:cNvPr>
           <p:cNvSpPr>
             <a:spLocks noGrp="1"/>
           </p:cNvSpPr>
@@ -10911,70 +10918,91 @@
         </p:nvSpPr>
         <p:spPr>
           <a:xfrm>
-            <a:off x="502285" y="498475"/>
-            <a:ext cx="8139430" cy="4017010"/>
-          </a:xfrm>
-        </p:spPr>
-        <p:txBody>
-          <a:bodyPr/>
+            <a:off x="683568" y="542127"/>
+            <a:ext cx="8139178" cy="648072"/>
+          </a:xfrm>
+        </p:spPr>
+        <p:txBody>
+          <a:bodyPr>
+            <a:normAutofit/>
+          </a:bodyPr>
           <a:lstStyle/>
           <a:p>
             <a:r>
-              <a:rPr lang="en-US" altLang="zh-CN" sz="3600"/>
-              <a:t>1.</a:t>
-            </a:r>
-            <a:r>
-              <a:rPr sz="3600">
-                <a:sym typeface="+mn-ea"/>
-              </a:rPr>
-              <a:t>组内分工</a:t>
-            </a:r>
-            <a:br>
-              <a:rPr sz="3600"/>
-            </a:br>
-            <a:r>
-              <a:rPr lang="en-US" altLang="zh-CN" sz="3600"/>
-              <a:t>2.</a:t>
-            </a:r>
-            <a:r>
-              <a:rPr sz="3600">
-                <a:sym typeface="+mn-ea"/>
-              </a:rPr>
-              <a:t>对手写汉字识别的介绍</a:t>
-            </a:r>
-            <a:br>
-              <a:rPr sz="3600"/>
-            </a:br>
-            <a:r>
-              <a:rPr lang="en-US" altLang="zh-CN" sz="3600"/>
-              <a:t>3.</a:t>
-            </a:r>
-            <a:r>
-              <a:rPr sz="3600"/>
-              <a:t>实现手写汉字识别应用的技术</a:t>
-            </a:r>
-            <a:br>
-              <a:rPr sz="3600"/>
-            </a:br>
-            <a:r>
-              <a:rPr lang="en-US" altLang="zh-CN" sz="3600"/>
-              <a:t>4.</a:t>
-            </a:r>
-            <a:r>
-              <a:rPr sz="3600"/>
-              <a:t>开发过程</a:t>
-            </a:r>
-            <a:br>
-              <a:rPr sz="3600"/>
-            </a:br>
-            <a:endParaRPr sz="3600"/>
+              <a:rPr lang="zh-CN" altLang="en-US" sz="2800" dirty="0"/>
+              <a:t>          项目引例</a:t>
+            </a:r>
+          </a:p>
+        </p:txBody>
+      </p:sp>
+      <p:sp>
+        <p:nvSpPr>
+          <p:cNvPr id="3" name="内容占位符 2">
+            <a:extLst>
+              <a:ext uri="{FF2B5EF4-FFF2-40B4-BE49-F238E27FC236}">
+                <a16:creationId xmlns:a16="http://schemas.microsoft.com/office/drawing/2014/main" id="{27EEA5E7-656D-838E-B63A-EF291147FEEF}"/>
+              </a:ext>
+            </a:extLst>
+          </p:cNvPr>
+          <p:cNvSpPr>
+            <a:spLocks noGrp="1"/>
+          </p:cNvSpPr>
+          <p:nvPr>
+            <p:ph idx="1"/>
+          </p:nvPr>
+        </p:nvSpPr>
+        <p:spPr/>
+        <p:txBody>
+          <a:bodyPr>
+            <a:normAutofit/>
+          </a:bodyPr>
+          <a:lstStyle/>
+          <a:p>
+            <a:pPr marL="0" indent="0">
+              <a:buNone/>
+            </a:pPr>
+            <a:r>
+              <a:rPr lang="zh-CN" altLang="en-US" sz="2000" dirty="0"/>
+              <a:t>到目前为止虽然科技发达，但是对于聋哑人群或者其他残障人群的治疗与恢复还是有些乏力，于是我们想到了应用我们所学的知识帮助他们。</a:t>
+            </a:r>
+            <a:endParaRPr lang="en-US" altLang="zh-CN" sz="2000" dirty="0"/>
+          </a:p>
+          <a:p>
+            <a:pPr marL="0" indent="0">
+              <a:buNone/>
+            </a:pPr>
+            <a:r>
+              <a:rPr lang="zh-CN" altLang="en-US" sz="2000" dirty="0"/>
+              <a:t>如：可以在双眼失明</a:t>
+            </a:r>
+            <a:r>
+              <a:rPr lang="zh-CN" altLang="en-US" sz="2000"/>
+              <a:t>或者双耳失聪</a:t>
+            </a:r>
+            <a:r>
+              <a:rPr lang="zh-CN" altLang="en-US" sz="2000" dirty="0"/>
+              <a:t>的病人身体上佩戴特殊仪器，该仪器可以迅速的执行程序并且进行物体的识别。</a:t>
+            </a:r>
+            <a:endParaRPr lang="en-US" altLang="zh-CN" sz="2000" dirty="0"/>
+          </a:p>
+          <a:p>
+            <a:pPr marL="0" indent="0">
+              <a:buNone/>
+            </a:pPr>
+            <a:r>
+              <a:rPr lang="zh-CN" altLang="en-US" sz="2000" dirty="0"/>
+              <a:t>例如当他用手或者身体的其他部分触碰到某些物品时，其身上所配到的仪器可以迅速执行对该物体的识别并且借助医疗仪器传播到大脑中告诉病人这个物品是什么东西。</a:t>
+            </a:r>
+            <a:endParaRPr lang="en-US" altLang="zh-CN" sz="2000" dirty="0"/>
           </a:p>
         </p:txBody>
       </p:sp>
     </p:spTree>
-    <p:custDataLst>
-      <p:tags r:id="rId1"/>
-    </p:custDataLst>
+    <p:extLst>
+      <p:ext uri="{BB962C8B-B14F-4D97-AF65-F5344CB8AC3E}">
+        <p14:creationId xmlns:p14="http://schemas.microsoft.com/office/powerpoint/2010/main" val="41734746"/>
+      </p:ext>
+    </p:extLst>
   </p:cSld>
   <p:clrMapOvr>
     <a:masterClrMapping/>
@@ -11009,61 +11037,65 @@
             <p:ph type="title"/>
           </p:nvPr>
         </p:nvSpPr>
-        <p:spPr/>
-        <p:txBody>
-          <a:bodyPr>
-            <a:noAutofit/>
-          </a:bodyPr>
-          <a:lstStyle/>
-          <a:p>
-            <a:r>
-              <a:rPr lang="zh-CN" altLang="en-US" sz="3600"/>
-              <a:t>小组分工</a:t>
-            </a:r>
-          </a:p>
-        </p:txBody>
-      </p:sp>
-      <p:sp>
-        <p:nvSpPr>
-          <p:cNvPr id="3" name="内容占位符 2"/>
-          <p:cNvSpPr>
-            <a:spLocks noGrp="1"/>
-          </p:cNvSpPr>
-          <p:nvPr>
-            <p:ph idx="1"/>
-          </p:nvPr>
-        </p:nvSpPr>
-        <p:spPr/>
+        <p:spPr>
+          <a:xfrm>
+            <a:off x="502285" y="498475"/>
+            <a:ext cx="8139430" cy="4017010"/>
+          </a:xfrm>
+        </p:spPr>
         <p:txBody>
           <a:bodyPr/>
           <a:lstStyle/>
           <a:p>
             <a:r>
-              <a:rPr lang="zh-CN" altLang="en-US" sz="2000"/>
-              <a:t>项目文档：丁书润</a:t>
-            </a:r>
-          </a:p>
-          <a:p>
-            <a:r>
-              <a:rPr lang="zh-CN" altLang="en-US" sz="2000"/>
-              <a:t>产品设计：高翔宇</a:t>
-            </a:r>
-          </a:p>
-          <a:p>
-            <a:r>
-              <a:rPr lang="zh-CN" altLang="en-US" sz="2000"/>
-              <a:t>代码开发：李骅萱、倪松涛</a:t>
-            </a:r>
-          </a:p>
-          <a:p>
-            <a:r>
-              <a:rPr lang="en-US" altLang="zh-CN" sz="2000"/>
-              <a:t>ppt</a:t>
-            </a:r>
-            <a:r>
-              <a:rPr sz="2000"/>
-              <a:t>撰写：贾泽鑫</a:t>
-            </a:r>
+              <a:rPr lang="en-US" altLang="zh-CN" sz="3600"/>
+              <a:t>1.</a:t>
+            </a:r>
+            <a:r>
+              <a:rPr sz="3600">
+                <a:sym typeface="+mn-ea"/>
+              </a:rPr>
+              <a:t>组内分工</a:t>
+            </a:r>
+            <a:br>
+              <a:rPr sz="3600"/>
+            </a:br>
+            <a:r>
+              <a:rPr lang="en-US" altLang="zh-CN" sz="3600"/>
+              <a:t>2.</a:t>
+            </a:r>
+            <a:r>
+              <a:rPr sz="3600">
+                <a:sym typeface="+mn-ea"/>
+              </a:rPr>
+              <a:t>对手写汉字识别的介绍</a:t>
+            </a:r>
+            <a:br>
+              <a:rPr sz="3600"/>
+            </a:br>
+            <a:r>
+              <a:rPr lang="en-US" altLang="zh-CN" sz="3600"/>
+              <a:t>3.</a:t>
+            </a:r>
+            <a:r>
+              <a:rPr sz="3600"/>
+              <a:t>实现手写汉字识别应用的技术</a:t>
+            </a:r>
+            <a:br>
+              <a:rPr sz="3600"/>
+            </a:br>
+            <a:r>
+              <a:rPr lang="en-US" altLang="zh-CN" sz="3600"/>
+              <a:t>4.</a:t>
+            </a:r>
+            <a:r>
+              <a:rPr sz="3600"/>
+              <a:t>开发过程</a:t>
+            </a:r>
+            <a:br>
+              <a:rPr sz="3600"/>
+            </a:br>
+            <a:endParaRPr sz="3600"/>
           </a:p>
         </p:txBody>
       </p:sp>
@@ -11105,51 +11137,60 @@
             <p:ph type="title"/>
           </p:nvPr>
         </p:nvSpPr>
-        <p:spPr>
-          <a:xfrm>
-            <a:off x="502285" y="498475"/>
-            <a:ext cx="8139430" cy="1020445"/>
-          </a:xfrm>
-        </p:spPr>
+        <p:spPr/>
+        <p:txBody>
+          <a:bodyPr>
+            <a:noAutofit/>
+          </a:bodyPr>
+          <a:lstStyle/>
+          <a:p>
+            <a:r>
+              <a:rPr lang="zh-CN" altLang="en-US" sz="3600"/>
+              <a:t>小组分工</a:t>
+            </a:r>
+          </a:p>
+        </p:txBody>
+      </p:sp>
+      <p:sp>
+        <p:nvSpPr>
+          <p:cNvPr id="3" name="内容占位符 2"/>
+          <p:cNvSpPr>
+            <a:spLocks noGrp="1"/>
+          </p:cNvSpPr>
+          <p:nvPr>
+            <p:ph idx="1"/>
+          </p:nvPr>
+        </p:nvSpPr>
+        <p:spPr/>
         <p:txBody>
           <a:bodyPr/>
           <a:lstStyle/>
           <a:p>
             <a:r>
-              <a:rPr lang="zh-CN" altLang="en-US" sz="4800"/>
-              <a:t>手写汉字识别的介绍</a:t>
-            </a:r>
-          </a:p>
-        </p:txBody>
-      </p:sp>
-      <p:sp>
-        <p:nvSpPr>
-          <p:cNvPr id="3" name="内容占位符 2"/>
-          <p:cNvSpPr>
-            <a:spLocks noGrp="1"/>
-          </p:cNvSpPr>
-          <p:nvPr>
-            <p:ph idx="1"/>
-          </p:nvPr>
-        </p:nvSpPr>
-        <p:spPr/>
-        <p:txBody>
-          <a:bodyPr/>
-          <a:lstStyle/>
-          <a:p>
-            <a:r>
-              <a:rPr lang="zh-CN" altLang="en-US" sz="2800"/>
-              <a:t>该软件可以</a:t>
-            </a:r>
-            <a:r>
-              <a:rPr sz="2800"/>
-              <a:t>实现对“日”、“田”、“月”、“目”、“由”、“申”、“甲”等汉字的识别。</a:t>
-            </a:r>
-          </a:p>
-          <a:p>
-            <a:r>
-              <a:rPr lang="zh-CN" altLang="en-US" sz="2800"/>
-              <a:t>使用评估效果最好的模型对手写汉字进行识别，统计和对比不同算法识别手写汉字的效果。</a:t>
+              <a:rPr lang="zh-CN" altLang="en-US" sz="2000"/>
+              <a:t>项目文档：丁书润</a:t>
+            </a:r>
+          </a:p>
+          <a:p>
+            <a:r>
+              <a:rPr lang="zh-CN" altLang="en-US" sz="2000"/>
+              <a:t>产品设计：高翔宇</a:t>
+            </a:r>
+          </a:p>
+          <a:p>
+            <a:r>
+              <a:rPr lang="zh-CN" altLang="en-US" sz="2000"/>
+              <a:t>代码开发：李骅萱、倪松涛</a:t>
+            </a:r>
+          </a:p>
+          <a:p>
+            <a:r>
+              <a:rPr lang="en-US" altLang="zh-CN" sz="2000"/>
+              <a:t>ppt</a:t>
+            </a:r>
+            <a:r>
+              <a:rPr sz="2000"/>
+              <a:t>撰写：贾泽鑫</a:t>
             </a:r>
           </a:p>
         </p:txBody>
@@ -11195,73 +11236,48 @@
         <p:spPr>
           <a:xfrm>
             <a:off x="502285" y="498475"/>
-            <a:ext cx="8139430" cy="1000125"/>
-          </a:xfrm>
-        </p:spPr>
-        <p:txBody>
-          <a:bodyPr>
-            <a:noAutofit/>
-          </a:bodyPr>
-          <a:lstStyle/>
-          <a:p>
-            <a:r>
-              <a:rPr sz="3600">
-                <a:sym typeface="+mn-ea"/>
-              </a:rPr>
-              <a:t>实现</a:t>
-            </a:r>
-            <a:r>
-              <a:rPr lang="zh-CN" altLang="en-US" sz="3600"/>
-              <a:t>手写汉字识别应用的技术</a:t>
-            </a:r>
-          </a:p>
-        </p:txBody>
-      </p:sp>
-      <p:sp>
-        <p:nvSpPr>
-          <p:cNvPr id="3" name="内容占位符 2"/>
-          <p:cNvSpPr>
-            <a:spLocks noGrp="1"/>
-          </p:cNvSpPr>
-          <p:nvPr>
-            <p:ph idx="1"/>
-          </p:nvPr>
-        </p:nvSpPr>
-        <p:spPr/>
+            <a:ext cx="8139430" cy="1020445"/>
+          </a:xfrm>
+        </p:spPr>
         <p:txBody>
           <a:bodyPr/>
           <a:lstStyle/>
           <a:p>
             <a:r>
-              <a:rPr lang="zh-CN" altLang="en-US" sz="3200" b="1"/>
-              <a:t>用</a:t>
-            </a:r>
-            <a:r>
-              <a:rPr lang="en-US" altLang="zh-CN" sz="3200" b="1"/>
-              <a:t>python</a:t>
-            </a:r>
-            <a:r>
-              <a:rPr sz="3200" b="1"/>
-              <a:t>语言实现对手写汉字的识别</a:t>
-            </a:r>
-            <a:endParaRPr lang="zh-CN" altLang="en-US" sz="3200" b="1"/>
-          </a:p>
-          <a:p>
-            <a:pPr marL="0" indent="0">
-              <a:buNone/>
-            </a:pPr>
-            <a:r>
-              <a:rPr lang="zh-CN" altLang="en-US" sz="2000"/>
-              <a:t>1.基于K-means算法实现对手写汉字的识别，要将不同随机质心位置下训练出的模型评估结果（即模型在测试集上的识别正确率）以图表的形式展示出来。</a:t>
-            </a:r>
-          </a:p>
-          <a:p>
-            <a:pPr marL="0" indent="0">
-              <a:buNone/>
-            </a:pPr>
-            <a:r>
-              <a:rPr lang="zh-CN" altLang="en-US" sz="2000"/>
-              <a:t>2.基于KNN算法实现对手写汉字的识别，要将不同K值时训练出的模型评估结果（即模型在测试集上的识别正确率）以图表的形式展示出来。</a:t>
+              <a:rPr lang="zh-CN" altLang="en-US" sz="4800"/>
+              <a:t>手写汉字识别的介绍</a:t>
+            </a:r>
+          </a:p>
+        </p:txBody>
+      </p:sp>
+      <p:sp>
+        <p:nvSpPr>
+          <p:cNvPr id="3" name="内容占位符 2"/>
+          <p:cNvSpPr>
+            <a:spLocks noGrp="1"/>
+          </p:cNvSpPr>
+          <p:nvPr>
+            <p:ph idx="1"/>
+          </p:nvPr>
+        </p:nvSpPr>
+        <p:spPr/>
+        <p:txBody>
+          <a:bodyPr/>
+          <a:lstStyle/>
+          <a:p>
+            <a:r>
+              <a:rPr lang="zh-CN" altLang="en-US" sz="2800"/>
+              <a:t>该软件可以</a:t>
+            </a:r>
+            <a:r>
+              <a:rPr sz="2800"/>
+              <a:t>实现对“日”、“田”、“月”、“目”、“由”、“申”、“甲”等汉字的识别。</a:t>
+            </a:r>
+          </a:p>
+          <a:p>
+            <a:r>
+              <a:rPr lang="zh-CN" altLang="en-US" sz="2800"/>
+              <a:t>使用评估效果最好的模型对手写汉字进行识别，统计和对比不同算法识别手写汉字的效果。</a:t>
             </a:r>
           </a:p>
         </p:txBody>
@@ -11307,7 +11323,7 @@
         <p:spPr>
           <a:xfrm>
             <a:off x="502285" y="498475"/>
-            <a:ext cx="8139430" cy="857885"/>
+            <a:ext cx="8139430" cy="1000125"/>
           </a:xfrm>
         </p:spPr>
         <p:txBody>
@@ -11317,8 +11333,14 @@
           <a:lstStyle/>
           <a:p>
             <a:r>
-              <a:rPr lang="zh-CN" altLang="en-US" sz="3200"/>
-              <a:t>开发过程</a:t>
+              <a:rPr sz="3600">
+                <a:sym typeface="+mn-ea"/>
+              </a:rPr>
+              <a:t>实现</a:t>
+            </a:r>
+            <a:r>
+              <a:rPr lang="zh-CN" altLang="en-US" sz="3600"/>
+              <a:t>手写汉字识别应用的技术</a:t>
             </a:r>
           </a:p>
         </p:txBody>
@@ -11335,62 +11357,39 @@
         </p:nvSpPr>
         <p:spPr/>
         <p:txBody>
-          <a:bodyPr>
-            <a:normAutofit fontScale="90000" lnSpcReduction="20000"/>
-          </a:bodyPr>
+          <a:bodyPr/>
           <a:lstStyle/>
           <a:p>
             <a:r>
-              <a:rPr lang="zh-CN" altLang="en-US" sz="1600"/>
-              <a:t>一、构建数据集</a:t>
-            </a:r>
-          </a:p>
-          <a:p>
-            <a:r>
-              <a:rPr lang="zh-CN" altLang="en-US" sz="1600"/>
-              <a:t>1.每个汉字至少需要500张该汉字的图片，一共7个字，一组五个人，每个人分别写每个字100遍，总共700个字。</a:t>
-            </a:r>
-          </a:p>
-          <a:p>
-            <a:r>
-              <a:rPr lang="zh-CN" altLang="en-US" sz="1600"/>
-              <a:t>2.对每个汉字图片进行命名，比如第一个“甲”字可命名为jia_1.jpg，第二个“甲”字可命名为jia_2.jpg,依此类推，其他汉字也采取同样的方式进行命名。（此过程也可以通过python程序进行）获取数据）数据处理→模型训练→模型评估→模型保存→模型推理</a:t>
-            </a:r>
-          </a:p>
-          <a:p>
-            <a:r>
-              <a:rPr lang="zh-CN" altLang="en-US" sz="1600"/>
-              <a:t>数据处理：</a:t>
-            </a:r>
-          </a:p>
-          <a:p>
-            <a:r>
-              <a:rPr lang="zh-CN" altLang="en-US" sz="1600"/>
-              <a:t>     数据探索：对数据进行预览</a:t>
-            </a:r>
-          </a:p>
-          <a:p>
-            <a:r>
-              <a:rPr lang="zh-CN" altLang="en-US" sz="1600"/>
-              <a:t>     数据清洗：缺失值、异常值（四分位数、箱线图）</a:t>
-            </a:r>
-          </a:p>
-          <a:p>
-            <a:r>
-              <a:rPr lang="zh-CN" altLang="en-US" sz="1600"/>
-              <a:t>     数据划分：训练集（80%）、测试集（20%）、（验证集）具有更好的泛化性</a:t>
-            </a:r>
-          </a:p>
-          <a:p>
-            <a:r>
-              <a:rPr lang="zh-CN" altLang="en-US" sz="1600"/>
-              <a:t>     特征工程：归一化</a:t>
-            </a:r>
-          </a:p>
-          <a:p>
-            <a:r>
-              <a:rPr lang="zh-CN" altLang="en-US" sz="1600"/>
-              <a:t>模型训练、评估、保存、推理在初级阶段一般没有繁琐的过程</a:t>
+              <a:rPr lang="zh-CN" altLang="en-US" sz="3200" b="1"/>
+              <a:t>用</a:t>
+            </a:r>
+            <a:r>
+              <a:rPr lang="en-US" altLang="zh-CN" sz="3200" b="1"/>
+              <a:t>python</a:t>
+            </a:r>
+            <a:r>
+              <a:rPr sz="3200" b="1"/>
+              <a:t>语言实现对手写汉字的识别</a:t>
+            </a:r>
+            <a:endParaRPr lang="zh-CN" altLang="en-US" sz="3200" b="1"/>
+          </a:p>
+          <a:p>
+            <a:pPr marL="0" indent="0">
+              <a:buNone/>
+            </a:pPr>
+            <a:r>
+              <a:rPr lang="zh-CN" altLang="en-US" sz="2000"/>
+              <a:t>1.基于K-means算法实现对手写汉字的识别，要将不同随机质心位置下训练出的模型评估结果（即模型在测试集上的识别正确率）以图表的形式展示出来。</a:t>
+            </a:r>
+          </a:p>
+          <a:p>
+            <a:pPr marL="0" indent="0">
+              <a:buNone/>
+            </a:pPr>
+            <a:r>
+              <a:rPr lang="zh-CN" altLang="en-US" sz="2000"/>
+              <a:t>2.基于KNN算法实现对手写汉字的识别，要将不同K值时训练出的模型评估结果（即模型在测试集上的识别正确率）以图表的形式展示出来。</a:t>
             </a:r>
           </a:p>
         </p:txBody>
@@ -11407,6 +11406,135 @@
 </file>
 
 <file path=ppt/slides/slide7.xml><?xml version="1.0" encoding="utf-8"?>
+<p:sld xmlns:a="http://schemas.openxmlformats.org/drawingml/2006/main" xmlns:r="http://schemas.openxmlformats.org/officeDocument/2006/relationships" xmlns:p="http://schemas.openxmlformats.org/presentationml/2006/main">
+  <p:cSld>
+    <p:spTree>
+      <p:nvGrpSpPr>
+        <p:cNvPr id="1" name=""/>
+        <p:cNvGrpSpPr/>
+        <p:nvPr/>
+      </p:nvGrpSpPr>
+      <p:grpSpPr>
+        <a:xfrm>
+          <a:off x="0" y="0"/>
+          <a:ext cx="0" cy="0"/>
+          <a:chOff x="0" y="0"/>
+          <a:chExt cx="0" cy="0"/>
+        </a:xfrm>
+      </p:grpSpPr>
+      <p:sp>
+        <p:nvSpPr>
+          <p:cNvPr id="2" name="标题 1"/>
+          <p:cNvSpPr>
+            <a:spLocks noGrp="1"/>
+          </p:cNvSpPr>
+          <p:nvPr>
+            <p:ph type="title"/>
+          </p:nvPr>
+        </p:nvSpPr>
+        <p:spPr>
+          <a:xfrm>
+            <a:off x="502285" y="498475"/>
+            <a:ext cx="8139430" cy="857885"/>
+          </a:xfrm>
+        </p:spPr>
+        <p:txBody>
+          <a:bodyPr>
+            <a:noAutofit/>
+          </a:bodyPr>
+          <a:lstStyle/>
+          <a:p>
+            <a:r>
+              <a:rPr lang="zh-CN" altLang="en-US" sz="3200"/>
+              <a:t>开发过程</a:t>
+            </a:r>
+          </a:p>
+        </p:txBody>
+      </p:sp>
+      <p:sp>
+        <p:nvSpPr>
+          <p:cNvPr id="3" name="内容占位符 2"/>
+          <p:cNvSpPr>
+            <a:spLocks noGrp="1"/>
+          </p:cNvSpPr>
+          <p:nvPr>
+            <p:ph idx="1"/>
+          </p:nvPr>
+        </p:nvSpPr>
+        <p:spPr/>
+        <p:txBody>
+          <a:bodyPr>
+            <a:normAutofit fontScale="90000" lnSpcReduction="20000"/>
+          </a:bodyPr>
+          <a:lstStyle/>
+          <a:p>
+            <a:r>
+              <a:rPr lang="zh-CN" altLang="en-US" sz="1600"/>
+              <a:t>一、构建数据集</a:t>
+            </a:r>
+          </a:p>
+          <a:p>
+            <a:r>
+              <a:rPr lang="zh-CN" altLang="en-US" sz="1600"/>
+              <a:t>1.每个汉字至少需要500张该汉字的图片，一共7个字，一组五个人，每个人分别写每个字100遍，总共700个字。</a:t>
+            </a:r>
+          </a:p>
+          <a:p>
+            <a:r>
+              <a:rPr lang="zh-CN" altLang="en-US" sz="1600"/>
+              <a:t>2.对每个汉字图片进行命名，比如第一个“甲”字可命名为jia_1.jpg，第二个“甲”字可命名为jia_2.jpg,依此类推，其他汉字也采取同样的方式进行命名。（此过程也可以通过python程序进行）获取数据）数据处理→模型训练→模型评估→模型保存→模型推理</a:t>
+            </a:r>
+          </a:p>
+          <a:p>
+            <a:r>
+              <a:rPr lang="zh-CN" altLang="en-US" sz="1600"/>
+              <a:t>数据处理：</a:t>
+            </a:r>
+          </a:p>
+          <a:p>
+            <a:r>
+              <a:rPr lang="zh-CN" altLang="en-US" sz="1600"/>
+              <a:t>     数据探索：对数据进行预览</a:t>
+            </a:r>
+          </a:p>
+          <a:p>
+            <a:r>
+              <a:rPr lang="zh-CN" altLang="en-US" sz="1600"/>
+              <a:t>     数据清洗：缺失值、异常值（四分位数、箱线图）</a:t>
+            </a:r>
+          </a:p>
+          <a:p>
+            <a:r>
+              <a:rPr lang="zh-CN" altLang="en-US" sz="1600"/>
+              <a:t>     数据划分：训练集（80%）、测试集（20%）、（验证集）具有更好的泛化性</a:t>
+            </a:r>
+          </a:p>
+          <a:p>
+            <a:r>
+              <a:rPr lang="zh-CN" altLang="en-US" sz="1600"/>
+              <a:t>     特征工程：归一化</a:t>
+            </a:r>
+          </a:p>
+          <a:p>
+            <a:r>
+              <a:rPr lang="zh-CN" altLang="en-US" sz="1600"/>
+              <a:t>模型训练、评估、保存、推理在初级阶段一般没有繁琐的过程</a:t>
+            </a:r>
+          </a:p>
+        </p:txBody>
+      </p:sp>
+    </p:spTree>
+    <p:custDataLst>
+      <p:tags r:id="rId1"/>
+    </p:custDataLst>
+  </p:cSld>
+  <p:clrMapOvr>
+    <a:masterClrMapping/>
+  </p:clrMapOvr>
+</p:sld>
+</file>
+
+<file path=ppt/slides/slide8.xml><?xml version="1.0" encoding="utf-8"?>
 <p:sld xmlns:a="http://schemas.openxmlformats.org/drawingml/2006/main" xmlns:r="http://schemas.openxmlformats.org/officeDocument/2006/relationships" xmlns:p="http://schemas.openxmlformats.org/presentationml/2006/main">
   <p:cSld>
     <p:spTree>
